--- a/other/Maquette - Mockup.pptx
+++ b/other/Maquette - Mockup.pptx
@@ -207,7 +207,7 @@
           <a:p>
             <a:fld id="{2EC9B8E1-8737-41A6-8049-8821F6FD00B8}" type="datetimeFigureOut">
               <a:rPr lang="fr-FR" smtClean="0"/>
-              <a:t>22/10/2023</a:t>
+              <a:t>06/11/2023</a:t>
             </a:fld>
             <a:endParaRPr lang="fr-FR"/>
           </a:p>
@@ -792,7 +792,7 @@
           <a:p>
             <a:fld id="{5D78E834-0D2C-44D5-883E-03BA4DDD9834}" type="datetimeFigureOut">
               <a:rPr lang="fr-FR" smtClean="0"/>
-              <a:t>22/10/2023</a:t>
+              <a:t>06/11/2023</a:t>
             </a:fld>
             <a:endParaRPr lang="fr-FR"/>
           </a:p>
@@ -990,7 +990,7 @@
           <a:p>
             <a:fld id="{5D78E834-0D2C-44D5-883E-03BA4DDD9834}" type="datetimeFigureOut">
               <a:rPr lang="fr-FR" smtClean="0"/>
-              <a:t>22/10/2023</a:t>
+              <a:t>06/11/2023</a:t>
             </a:fld>
             <a:endParaRPr lang="fr-FR"/>
           </a:p>
@@ -1198,7 +1198,7 @@
           <a:p>
             <a:fld id="{5D78E834-0D2C-44D5-883E-03BA4DDD9834}" type="datetimeFigureOut">
               <a:rPr lang="fr-FR" smtClean="0"/>
-              <a:t>22/10/2023</a:t>
+              <a:t>06/11/2023</a:t>
             </a:fld>
             <a:endParaRPr lang="fr-FR"/>
           </a:p>
@@ -1396,7 +1396,7 @@
           <a:p>
             <a:fld id="{5D78E834-0D2C-44D5-883E-03BA4DDD9834}" type="datetimeFigureOut">
               <a:rPr lang="fr-FR" smtClean="0"/>
-              <a:t>22/10/2023</a:t>
+              <a:t>06/11/2023</a:t>
             </a:fld>
             <a:endParaRPr lang="fr-FR"/>
           </a:p>
@@ -1671,7 +1671,7 @@
           <a:p>
             <a:fld id="{5D78E834-0D2C-44D5-883E-03BA4DDD9834}" type="datetimeFigureOut">
               <a:rPr lang="fr-FR" smtClean="0"/>
-              <a:t>22/10/2023</a:t>
+              <a:t>06/11/2023</a:t>
             </a:fld>
             <a:endParaRPr lang="fr-FR"/>
           </a:p>
@@ -1936,7 +1936,7 @@
           <a:p>
             <a:fld id="{5D78E834-0D2C-44D5-883E-03BA4DDD9834}" type="datetimeFigureOut">
               <a:rPr lang="fr-FR" smtClean="0"/>
-              <a:t>22/10/2023</a:t>
+              <a:t>06/11/2023</a:t>
             </a:fld>
             <a:endParaRPr lang="fr-FR"/>
           </a:p>
@@ -2348,7 +2348,7 @@
           <a:p>
             <a:fld id="{5D78E834-0D2C-44D5-883E-03BA4DDD9834}" type="datetimeFigureOut">
               <a:rPr lang="fr-FR" smtClean="0"/>
-              <a:t>22/10/2023</a:t>
+              <a:t>06/11/2023</a:t>
             </a:fld>
             <a:endParaRPr lang="fr-FR"/>
           </a:p>
@@ -2489,7 +2489,7 @@
           <a:p>
             <a:fld id="{5D78E834-0D2C-44D5-883E-03BA4DDD9834}" type="datetimeFigureOut">
               <a:rPr lang="fr-FR" smtClean="0"/>
-              <a:t>22/10/2023</a:t>
+              <a:t>06/11/2023</a:t>
             </a:fld>
             <a:endParaRPr lang="fr-FR"/>
           </a:p>
@@ -2602,7 +2602,7 @@
           <a:p>
             <a:fld id="{5D78E834-0D2C-44D5-883E-03BA4DDD9834}" type="datetimeFigureOut">
               <a:rPr lang="fr-FR" smtClean="0"/>
-              <a:t>22/10/2023</a:t>
+              <a:t>06/11/2023</a:t>
             </a:fld>
             <a:endParaRPr lang="fr-FR"/>
           </a:p>
@@ -2913,7 +2913,7 @@
           <a:p>
             <a:fld id="{5D78E834-0D2C-44D5-883E-03BA4DDD9834}" type="datetimeFigureOut">
               <a:rPr lang="fr-FR" smtClean="0"/>
-              <a:t>22/10/2023</a:t>
+              <a:t>06/11/2023</a:t>
             </a:fld>
             <a:endParaRPr lang="fr-FR"/>
           </a:p>
@@ -3201,7 +3201,7 @@
           <a:p>
             <a:fld id="{5D78E834-0D2C-44D5-883E-03BA4DDD9834}" type="datetimeFigureOut">
               <a:rPr lang="fr-FR" smtClean="0"/>
-              <a:t>22/10/2023</a:t>
+              <a:t>06/11/2023</a:t>
             </a:fld>
             <a:endParaRPr lang="fr-FR"/>
           </a:p>
@@ -3442,7 +3442,7 @@
           <a:p>
             <a:fld id="{5D78E834-0D2C-44D5-883E-03BA4DDD9834}" type="datetimeFigureOut">
               <a:rPr lang="fr-FR" smtClean="0"/>
-              <a:t>22/10/2023</a:t>
+              <a:t>06/11/2023</a:t>
             </a:fld>
             <a:endParaRPr lang="fr-FR"/>
           </a:p>
@@ -5925,7 +5925,7 @@
         </p:nvSpPr>
         <p:spPr>
           <a:xfrm>
-            <a:off x="8885046" y="4635567"/>
+            <a:off x="8731287" y="4709596"/>
             <a:ext cx="1611020" cy="429936"/>
           </a:xfrm>
           <a:prstGeom prst="roundRect">
@@ -7878,7 +7878,7 @@
         <p:spPr>
           <a:xfrm>
             <a:off x="4224830" y="767066"/>
-            <a:ext cx="832279" cy="307777"/>
+            <a:ext cx="880369" cy="738664"/>
           </a:xfrm>
           <a:prstGeom prst="rect">
             <a:avLst/>
@@ -7895,6 +7895,21 @@
               <a:rPr lang="fr-FR" sz="1400" dirty="0"/>
               <a:t>#D9777F</a:t>
             </a:r>
+          </a:p>
+          <a:p>
+            <a:r>
+              <a:rPr lang="fr-FR" sz="1400" b="0" dirty="0">
+                <a:solidFill>
+                  <a:srgbClr val="D4D4D4"/>
+                </a:solidFill>
+                <a:effectLst/>
+                <a:latin typeface="Consolas" panose="020B0609020204030204" pitchFamily="49" charset="0"/>
+              </a:rPr>
+              <a:t>#fa8282</a:t>
+            </a:r>
+          </a:p>
+          <a:p>
+            <a:endParaRPr lang="fr-FR" sz="1400" dirty="0"/>
           </a:p>
         </p:txBody>
       </p:sp>
@@ -9387,6 +9402,62 @@
           </a:p>
         </p:txBody>
       </p:sp>
+      <p:sp>
+        <p:nvSpPr>
+          <p:cNvPr id="5" name="Rectangle 4">
+            <a:extLst>
+              <a:ext uri="{FF2B5EF4-FFF2-40B4-BE49-F238E27FC236}">
+                <a16:creationId xmlns:a16="http://schemas.microsoft.com/office/drawing/2014/main" id="{0BDAA5C4-2C8F-37DD-DFA7-07261C6087A5}"/>
+              </a:ext>
+            </a:extLst>
+          </p:cNvPr>
+          <p:cNvSpPr/>
+          <p:nvPr/>
+        </p:nvSpPr>
+        <p:spPr>
+          <a:xfrm>
+            <a:off x="989824" y="1415181"/>
+            <a:ext cx="4749739" cy="389793"/>
+          </a:xfrm>
+          <a:prstGeom prst="rect">
+            <a:avLst/>
+          </a:prstGeom>
+          <a:noFill/>
+          <a:ln>
+            <a:noFill/>
+          </a:ln>
+        </p:spPr>
+        <p:style>
+          <a:lnRef idx="2">
+            <a:schemeClr val="accent1">
+              <a:shade val="50000"/>
+            </a:schemeClr>
+          </a:lnRef>
+          <a:fillRef idx="1">
+            <a:schemeClr val="accent1"/>
+          </a:fillRef>
+          <a:effectRef idx="0">
+            <a:schemeClr val="accent1"/>
+          </a:effectRef>
+          <a:fontRef idx="minor">
+            <a:schemeClr val="lt1"/>
+          </a:fontRef>
+        </p:style>
+        <p:txBody>
+          <a:bodyPr rtlCol="0" anchor="ctr"/>
+          <a:lstStyle/>
+          <a:p>
+            <a:r>
+              <a:rPr lang="fr-FR" sz="1000" i="1" dirty="0">
+                <a:solidFill>
+                  <a:srgbClr val="D92332"/>
+                </a:solidFill>
+              </a:rPr>
+              <a:t>Accueil / Voitures d’occasions</a:t>
+            </a:r>
+          </a:p>
+        </p:txBody>
+      </p:sp>
     </p:spTree>
     <p:extLst>
       <p:ext uri="{BB962C8B-B14F-4D97-AF65-F5344CB8AC3E}">
@@ -11036,67 +11107,6 @@
             <a:r>
               <a:rPr lang="fr-FR" dirty="0"/>
               <a:t>Contact</a:t>
-            </a:r>
-          </a:p>
-        </p:txBody>
-      </p:sp>
-      <p:sp>
-        <p:nvSpPr>
-          <p:cNvPr id="12" name="Rectangle 11">
-            <a:extLst>
-              <a:ext uri="{FF2B5EF4-FFF2-40B4-BE49-F238E27FC236}">
-                <a16:creationId xmlns:a16="http://schemas.microsoft.com/office/drawing/2014/main" id="{46EBE9CE-33D6-F0E9-1C65-6F470843F088}"/>
-              </a:ext>
-            </a:extLst>
-          </p:cNvPr>
-          <p:cNvSpPr/>
-          <p:nvPr/>
-        </p:nvSpPr>
-        <p:spPr>
-          <a:xfrm>
-            <a:off x="862033" y="1044310"/>
-            <a:ext cx="10358242" cy="391298"/>
-          </a:xfrm>
-          <a:prstGeom prst="rect">
-            <a:avLst/>
-          </a:prstGeom>
-          <a:solidFill>
-            <a:schemeClr val="bg1">
-              <a:lumMod val="65000"/>
-            </a:schemeClr>
-          </a:solidFill>
-          <a:ln>
-            <a:solidFill>
-              <a:schemeClr val="tx1">
-                <a:lumMod val="95000"/>
-                <a:lumOff val="5000"/>
-              </a:schemeClr>
-            </a:solidFill>
-          </a:ln>
-        </p:spPr>
-        <p:style>
-          <a:lnRef idx="2">
-            <a:schemeClr val="accent1">
-              <a:shade val="50000"/>
-            </a:schemeClr>
-          </a:lnRef>
-          <a:fillRef idx="1">
-            <a:schemeClr val="accent1"/>
-          </a:fillRef>
-          <a:effectRef idx="0">
-            <a:schemeClr val="accent1"/>
-          </a:effectRef>
-          <a:fontRef idx="minor">
-            <a:schemeClr val="lt1"/>
-          </a:fontRef>
-        </p:style>
-        <p:txBody>
-          <a:bodyPr rtlCol="0" anchor="ctr"/>
-          <a:lstStyle/>
-          <a:p>
-            <a:r>
-              <a:rPr lang="fr-FR" dirty="0"/>
-              <a:t>Navigation</a:t>
             </a:r>
           </a:p>
         </p:txBody>
@@ -12230,10 +12240,10 @@
       </p:grpSp>
       <p:pic>
         <p:nvPicPr>
-          <p:cNvPr id="16" name="Image 15">
-            <a:extLst>
-              <a:ext uri="{FF2B5EF4-FFF2-40B4-BE49-F238E27FC236}">
-                <a16:creationId xmlns:a16="http://schemas.microsoft.com/office/drawing/2014/main" id="{63A5EAE3-B6BA-7E15-4800-27FCF84C1C5F}"/>
+          <p:cNvPr id="3" name="Image 2">
+            <a:extLst>
+              <a:ext uri="{FF2B5EF4-FFF2-40B4-BE49-F238E27FC236}">
+                <a16:creationId xmlns:a16="http://schemas.microsoft.com/office/drawing/2014/main" id="{D867EBCA-9A67-5233-C1DB-B2DBA4FD040E}"/>
               </a:ext>
             </a:extLst>
           </p:cNvPr>
@@ -12251,7 +12261,7 @@
         <p:spPr>
           <a:xfrm>
             <a:off x="1551" y="22234"/>
-            <a:ext cx="2387619" cy="999589"/>
+            <a:ext cx="2842317" cy="1189951"/>
           </a:xfrm>
           <a:prstGeom prst="rect">
             <a:avLst/>
@@ -12260,10 +12270,10 @@
       </p:pic>
       <p:pic>
         <p:nvPicPr>
-          <p:cNvPr id="18" name="Image 17">
-            <a:extLst>
-              <a:ext uri="{FF2B5EF4-FFF2-40B4-BE49-F238E27FC236}">
-                <a16:creationId xmlns:a16="http://schemas.microsoft.com/office/drawing/2014/main" id="{6C383FAE-7CFC-F728-1255-5D1CC4E90C62}"/>
+          <p:cNvPr id="11" name="Image 10">
+            <a:extLst>
+              <a:ext uri="{FF2B5EF4-FFF2-40B4-BE49-F238E27FC236}">
+                <a16:creationId xmlns:a16="http://schemas.microsoft.com/office/drawing/2014/main" id="{1C4190D2-391A-73EC-A6F0-0B8744D25F21}"/>
               </a:ext>
             </a:extLst>
           </p:cNvPr>
@@ -12280,14 +12290,70 @@
         </p:blipFill>
         <p:spPr>
           <a:xfrm>
-            <a:off x="11355764" y="0"/>
-            <a:ext cx="834686" cy="792244"/>
+            <a:off x="11277208" y="0"/>
+            <a:ext cx="914792" cy="868277"/>
           </a:xfrm>
           <a:prstGeom prst="rect">
             <a:avLst/>
           </a:prstGeom>
         </p:spPr>
       </p:pic>
+      <p:sp>
+        <p:nvSpPr>
+          <p:cNvPr id="20" name="Rectangle 19">
+            <a:extLst>
+              <a:ext uri="{FF2B5EF4-FFF2-40B4-BE49-F238E27FC236}">
+                <a16:creationId xmlns:a16="http://schemas.microsoft.com/office/drawing/2014/main" id="{C9298F91-9D40-6597-1B7A-34A31C4BD476}"/>
+              </a:ext>
+            </a:extLst>
+          </p:cNvPr>
+          <p:cNvSpPr/>
+          <p:nvPr/>
+        </p:nvSpPr>
+        <p:spPr>
+          <a:xfrm>
+            <a:off x="768574" y="1150328"/>
+            <a:ext cx="4749739" cy="389793"/>
+          </a:xfrm>
+          <a:prstGeom prst="rect">
+            <a:avLst/>
+          </a:prstGeom>
+          <a:noFill/>
+          <a:ln>
+            <a:noFill/>
+          </a:ln>
+        </p:spPr>
+        <p:style>
+          <a:lnRef idx="2">
+            <a:schemeClr val="accent1">
+              <a:shade val="50000"/>
+            </a:schemeClr>
+          </a:lnRef>
+          <a:fillRef idx="1">
+            <a:schemeClr val="accent1"/>
+          </a:fillRef>
+          <a:effectRef idx="0">
+            <a:schemeClr val="accent1"/>
+          </a:effectRef>
+          <a:fontRef idx="minor">
+            <a:schemeClr val="lt1"/>
+          </a:fontRef>
+        </p:style>
+        <p:txBody>
+          <a:bodyPr rtlCol="0" anchor="ctr"/>
+          <a:lstStyle/>
+          <a:p>
+            <a:r>
+              <a:rPr lang="fr-FR" sz="1000" i="1" dirty="0">
+                <a:solidFill>
+                  <a:srgbClr val="D92332"/>
+                </a:solidFill>
+              </a:rPr>
+              <a:t>Accueil / Voitures d’occasions/Détail</a:t>
+            </a:r>
+          </a:p>
+        </p:txBody>
+      </p:sp>
     </p:spTree>
     <p:extLst>
       <p:ext uri="{BB962C8B-B14F-4D97-AF65-F5344CB8AC3E}">
